--- a/WordGuessSplash.pptx
+++ b/WordGuessSplash.pptx
@@ -104,6 +104,11 @@
       </a:defRPr>
     </a:lvl9pPr>
   </p:defaultTextStyle>
+  <p:extLst>
+    <p:ext uri="{EFAFB233-063F-42B5-8137-9DF3F51BA10A}">
+      <p15:sldGuideLst xmlns:p15="http://schemas.microsoft.com/office/powerpoint/2012/main"/>
+    </p:ext>
+  </p:extLst>
 </p:presentation>
 </file>
 
@@ -438,7 +443,7 @@
           <a:p>
             <a:fld id="{1208703C-FB79-41D8-9D54-9CBF844BA37B}" type="datetimeFigureOut">
               <a:rPr lang="en-US" smtClean="0"/>
-              <a:t>11/18/2019</a:t>
+              <a:t>12/9/2019</a:t>
             </a:fld>
             <a:endParaRPr lang="en-US"/>
           </a:p>
@@ -762,7 +767,7 @@
           <a:p>
             <a:fld id="{1208703C-FB79-41D8-9D54-9CBF844BA37B}" type="datetimeFigureOut">
               <a:rPr lang="en-US" smtClean="0"/>
-              <a:t>11/18/2019</a:t>
+              <a:t>12/9/2019</a:t>
             </a:fld>
             <a:endParaRPr lang="en-US"/>
           </a:p>
@@ -1010,7 +1015,7 @@
           <a:p>
             <a:fld id="{1208703C-FB79-41D8-9D54-9CBF844BA37B}" type="datetimeFigureOut">
               <a:rPr lang="en-US" smtClean="0"/>
-              <a:t>11/18/2019</a:t>
+              <a:t>12/9/2019</a:t>
             </a:fld>
             <a:endParaRPr lang="en-US"/>
           </a:p>
@@ -1349,7 +1354,7 @@
           <a:p>
             <a:fld id="{1208703C-FB79-41D8-9D54-9CBF844BA37B}" type="datetimeFigureOut">
               <a:rPr lang="en-US" smtClean="0"/>
-              <a:t>11/18/2019</a:t>
+              <a:t>12/9/2019</a:t>
             </a:fld>
             <a:endParaRPr lang="en-US"/>
           </a:p>
@@ -1696,7 +1701,7 @@
           <a:p>
             <a:fld id="{1208703C-FB79-41D8-9D54-9CBF844BA37B}" type="datetimeFigureOut">
               <a:rPr lang="en-US" smtClean="0"/>
-              <a:t>11/18/2019</a:t>
+              <a:t>12/9/2019</a:t>
             </a:fld>
             <a:endParaRPr lang="en-US"/>
           </a:p>
@@ -2070,7 +2075,7 @@
           <a:p>
             <a:fld id="{1208703C-FB79-41D8-9D54-9CBF844BA37B}" type="datetimeFigureOut">
               <a:rPr lang="en-US" smtClean="0"/>
-              <a:t>11/18/2019</a:t>
+              <a:t>12/9/2019</a:t>
             </a:fld>
             <a:endParaRPr lang="en-US"/>
           </a:p>
@@ -2540,7 +2545,7 @@
           <a:p>
             <a:fld id="{1208703C-FB79-41D8-9D54-9CBF844BA37B}" type="datetimeFigureOut">
               <a:rPr lang="en-US" smtClean="0"/>
-              <a:t>11/18/2019</a:t>
+              <a:t>12/9/2019</a:t>
             </a:fld>
             <a:endParaRPr lang="en-US"/>
           </a:p>
@@ -2745,7 +2750,7 @@
           <a:p>
             <a:fld id="{1208703C-FB79-41D8-9D54-9CBF844BA37B}" type="datetimeFigureOut">
               <a:rPr lang="en-US" smtClean="0"/>
-              <a:t>11/18/2019</a:t>
+              <a:t>12/9/2019</a:t>
             </a:fld>
             <a:endParaRPr lang="en-US"/>
           </a:p>
@@ -2956,7 +2961,7 @@
           <a:p>
             <a:fld id="{1208703C-FB79-41D8-9D54-9CBF844BA37B}" type="datetimeFigureOut">
               <a:rPr lang="en-US" smtClean="0"/>
-              <a:t>11/18/2019</a:t>
+              <a:t>12/9/2019</a:t>
             </a:fld>
             <a:endParaRPr lang="en-US"/>
           </a:p>
@@ -3188,7 +3193,7 @@
           <a:p>
             <a:fld id="{1208703C-FB79-41D8-9D54-9CBF844BA37B}" type="datetimeFigureOut">
               <a:rPr lang="en-US" smtClean="0"/>
-              <a:t>11/18/2019</a:t>
+              <a:t>12/9/2019</a:t>
             </a:fld>
             <a:endParaRPr lang="en-US"/>
           </a:p>
@@ -3436,7 +3441,7 @@
           <a:p>
             <a:fld id="{1208703C-FB79-41D8-9D54-9CBF844BA37B}" type="datetimeFigureOut">
               <a:rPr lang="en-US" smtClean="0"/>
-              <a:t>11/18/2019</a:t>
+              <a:t>12/9/2019</a:t>
             </a:fld>
             <a:endParaRPr lang="en-US"/>
           </a:p>
@@ -3734,7 +3739,7 @@
           <a:p>
             <a:fld id="{1208703C-FB79-41D8-9D54-9CBF844BA37B}" type="datetimeFigureOut">
               <a:rPr lang="en-US" smtClean="0"/>
-              <a:t>11/18/2019</a:t>
+              <a:t>12/9/2019</a:t>
             </a:fld>
             <a:endParaRPr lang="en-US"/>
           </a:p>
@@ -4128,7 +4133,7 @@
           <a:p>
             <a:fld id="{1208703C-FB79-41D8-9D54-9CBF844BA37B}" type="datetimeFigureOut">
               <a:rPr lang="en-US" smtClean="0"/>
-              <a:t>11/18/2019</a:t>
+              <a:t>12/9/2019</a:t>
             </a:fld>
             <a:endParaRPr lang="en-US"/>
           </a:p>
@@ -4277,7 +4282,7 @@
           <a:p>
             <a:fld id="{1208703C-FB79-41D8-9D54-9CBF844BA37B}" type="datetimeFigureOut">
               <a:rPr lang="en-US" smtClean="0"/>
-              <a:t>11/18/2019</a:t>
+              <a:t>12/9/2019</a:t>
             </a:fld>
             <a:endParaRPr lang="en-US"/>
           </a:p>
@@ -4403,7 +4408,7 @@
           <a:p>
             <a:fld id="{1208703C-FB79-41D8-9D54-9CBF844BA37B}" type="datetimeFigureOut">
               <a:rPr lang="en-US" smtClean="0"/>
-              <a:t>11/18/2019</a:t>
+              <a:t>12/9/2019</a:t>
             </a:fld>
             <a:endParaRPr lang="en-US"/>
           </a:p>
@@ -4658,7 +4663,7 @@
           <a:p>
             <a:fld id="{1208703C-FB79-41D8-9D54-9CBF844BA37B}" type="datetimeFigureOut">
               <a:rPr lang="en-US" smtClean="0"/>
-              <a:t>11/18/2019</a:t>
+              <a:t>12/9/2019</a:t>
             </a:fld>
             <a:endParaRPr lang="en-US"/>
           </a:p>
@@ -4973,7 +4978,7 @@
           <a:p>
             <a:fld id="{1208703C-FB79-41D8-9D54-9CBF844BA37B}" type="datetimeFigureOut">
               <a:rPr lang="en-US" smtClean="0"/>
-              <a:t>11/18/2019</a:t>
+              <a:t>12/9/2019</a:t>
             </a:fld>
             <a:endParaRPr lang="en-US"/>
           </a:p>
@@ -5324,7 +5329,7 @@
           <a:p>
             <a:fld id="{1208703C-FB79-41D8-9D54-9CBF844BA37B}" type="datetimeFigureOut">
               <a:rPr lang="en-US" smtClean="0"/>
-              <a:t>11/18/2019</a:t>
+              <a:t>12/9/2019</a:t>
             </a:fld>
             <a:endParaRPr lang="en-US"/>
           </a:p>
